--- a/Chat-Ops Details.pptx
+++ b/Chat-Ops Details.pptx
@@ -1,16 +1,16 @@
 
 <file path=ppt/presentation.xml><?xml version="1.0" encoding="utf-8"?>
-<p:presentation xmlns:a="http://schemas.openxmlformats.org/drawingml/2006/main" xmlns:r="http://schemas.openxmlformats.org/officeDocument/2006/relationships" xmlns:p="http://schemas.openxmlformats.org/presentationml/2006/main" saveSubsetFonts="1">
+<p:presentation xmlns:a="http://schemas.openxmlformats.org/drawingml/2006/main" xmlns:r="http://schemas.openxmlformats.org/officeDocument/2006/relationships" xmlns:p="http://schemas.openxmlformats.org/presentationml/2006/main">
   <p:sldMasterIdLst>
     <p:sldMasterId id="2147483648" r:id="rId1"/>
   </p:sldMasterIdLst>
   <p:sldIdLst>
-    <p:sldId id="256" r:id="rId2"/>
-    <p:sldId id="261" r:id="rId3"/>
-    <p:sldId id="260" r:id="rId4"/>
-    <p:sldId id="259" r:id="rId5"/>
-    <p:sldId id="257" r:id="rId6"/>
-    <p:sldId id="258" r:id="rId7"/>
+    <p:sldId id="256" r:id="rId3"/>
+    <p:sldId id="261" r:id="rId4"/>
+    <p:sldId id="260" r:id="rId5"/>
+    <p:sldId id="259" r:id="rId6"/>
+    <p:sldId id="257" r:id="rId7"/>
+    <p:sldId id="258" r:id="rId8"/>
   </p:sldIdLst>
   <p:sldSz cx="12192000" cy="6858000"/>
   <p:notesSz cx="6858000" cy="9144000"/>
@@ -109,11 +109,6 @@
       </a:defRPr>
     </a:lvl9pPr>
   </p:defaultTextStyle>
-  <p:extLst>
-    <p:ext uri="{EFAFB233-063F-42B5-8137-9DF3F51BA10A}">
-      <p15:sldGuideLst xmlns:p15="http://schemas.microsoft.com/office/powerpoint/2012/main"/>
-    </p:ext>
-  </p:extLst>
 </p:presentation>
 </file>
 
@@ -136,13 +131,7 @@
       </p:grpSpPr>
       <p:sp>
         <p:nvSpPr>
-          <p:cNvPr id="2" name="Title 1">
-            <a:extLst>
-              <a:ext uri="{FF2B5EF4-FFF2-40B4-BE49-F238E27FC236}">
-                <a16:creationId xmlns:a16="http://schemas.microsoft.com/office/drawing/2014/main" id="{11496E97-0C30-998F-6ECD-3F771A30DBDD}"/>
-              </a:ext>
-            </a:extLst>
-          </p:cNvPr>
+          <p:cNvPr id="2" name="Title 1"/>
           <p:cNvSpPr>
             <a:spLocks noGrp="1"/>
           </p:cNvSpPr>
@@ -174,13 +163,7 @@
       </p:sp>
       <p:sp>
         <p:nvSpPr>
-          <p:cNvPr id="3" name="Subtitle 2">
-            <a:extLst>
-              <a:ext uri="{FF2B5EF4-FFF2-40B4-BE49-F238E27FC236}">
-                <a16:creationId xmlns:a16="http://schemas.microsoft.com/office/drawing/2014/main" id="{E242BD60-1026-3C91-D859-4BCCA24DBCD3}"/>
-              </a:ext>
-            </a:extLst>
-          </p:cNvPr>
+          <p:cNvPr id="3" name="Subtitle 2"/>
           <p:cNvSpPr>
             <a:spLocks noGrp="1"/>
           </p:cNvSpPr>
@@ -245,13 +228,7 @@
       </p:sp>
       <p:sp>
         <p:nvSpPr>
-          <p:cNvPr id="4" name="Date Placeholder 3">
-            <a:extLst>
-              <a:ext uri="{FF2B5EF4-FFF2-40B4-BE49-F238E27FC236}">
-                <a16:creationId xmlns:a16="http://schemas.microsoft.com/office/drawing/2014/main" id="{12D4BEB3-2970-ED79-BB1A-9D04293DD130}"/>
-              </a:ext>
-            </a:extLst>
-          </p:cNvPr>
+          <p:cNvPr id="4" name="Date Placeholder 3"/>
           <p:cNvSpPr>
             <a:spLocks noGrp="1"/>
           </p:cNvSpPr>
@@ -266,7 +243,6 @@
           <a:p>
             <a:fld id="{13BFA79F-8F1A-4DCE-B7E9-7B247D930065}" type="datetimeFigureOut">
               <a:rPr lang="en-IN" smtClean="0"/>
-              <a:t>10-07-22</a:t>
             </a:fld>
             <a:endParaRPr lang="en-IN"/>
           </a:p>
@@ -274,13 +250,7 @@
       </p:sp>
       <p:sp>
         <p:nvSpPr>
-          <p:cNvPr id="5" name="Footer Placeholder 4">
-            <a:extLst>
-              <a:ext uri="{FF2B5EF4-FFF2-40B4-BE49-F238E27FC236}">
-                <a16:creationId xmlns:a16="http://schemas.microsoft.com/office/drawing/2014/main" id="{ACE66982-69E2-0285-B85B-87FDBA62C2B0}"/>
-              </a:ext>
-            </a:extLst>
-          </p:cNvPr>
+          <p:cNvPr id="5" name="Footer Placeholder 4"/>
           <p:cNvSpPr>
             <a:spLocks noGrp="1"/>
           </p:cNvSpPr>
@@ -299,13 +269,7 @@
       </p:sp>
       <p:sp>
         <p:nvSpPr>
-          <p:cNvPr id="6" name="Slide Number Placeholder 5">
-            <a:extLst>
-              <a:ext uri="{FF2B5EF4-FFF2-40B4-BE49-F238E27FC236}">
-                <a16:creationId xmlns:a16="http://schemas.microsoft.com/office/drawing/2014/main" id="{C43A9175-69FD-8474-96EC-2E1F459E4ADB}"/>
-              </a:ext>
-            </a:extLst>
-          </p:cNvPr>
+          <p:cNvPr id="6" name="Slide Number Placeholder 5"/>
           <p:cNvSpPr>
             <a:spLocks noGrp="1"/>
           </p:cNvSpPr>
@@ -320,18 +284,12 @@
           <a:p>
             <a:fld id="{491B6F5D-4056-4B62-8934-C31EF044F50B}" type="slidenum">
               <a:rPr lang="en-IN" smtClean="0"/>
-              <a:t>‹#›</a:t>
             </a:fld>
             <a:endParaRPr lang="en-IN"/>
           </a:p>
         </p:txBody>
       </p:sp>
     </p:spTree>
-    <p:extLst>
-      <p:ext uri="{BB962C8B-B14F-4D97-AF65-F5344CB8AC3E}">
-        <p14:creationId xmlns:p14="http://schemas.microsoft.com/office/powerpoint/2010/main" val="1870601814"/>
-      </p:ext>
-    </p:extLst>
   </p:cSld>
   <p:clrMapOvr>
     <a:masterClrMapping/>
@@ -358,13 +316,7 @@
       </p:grpSpPr>
       <p:sp>
         <p:nvSpPr>
-          <p:cNvPr id="2" name="Title 1">
-            <a:extLst>
-              <a:ext uri="{FF2B5EF4-FFF2-40B4-BE49-F238E27FC236}">
-                <a16:creationId xmlns:a16="http://schemas.microsoft.com/office/drawing/2014/main" id="{51C66D13-D4B0-07EE-67DD-0544A674B743}"/>
-              </a:ext>
-            </a:extLst>
-          </p:cNvPr>
+          <p:cNvPr id="2" name="Title 1"/>
           <p:cNvSpPr>
             <a:spLocks noGrp="1"/>
           </p:cNvSpPr>
@@ -387,13 +339,7 @@
       </p:sp>
       <p:sp>
         <p:nvSpPr>
-          <p:cNvPr id="3" name="Vertical Text Placeholder 2">
-            <a:extLst>
-              <a:ext uri="{FF2B5EF4-FFF2-40B4-BE49-F238E27FC236}">
-                <a16:creationId xmlns:a16="http://schemas.microsoft.com/office/drawing/2014/main" id="{B8CCA10F-79FB-E436-5BE9-78799AE5153F}"/>
-              </a:ext>
-            </a:extLst>
-          </p:cNvPr>
+          <p:cNvPr id="3" name="Vertical Text Placeholder 2"/>
           <p:cNvSpPr>
             <a:spLocks noGrp="1"/>
           </p:cNvSpPr>
@@ -411,6 +357,7 @@
               <a:rPr lang="en-US"/>
               <a:t>Click to edit Master text styles</a:t>
             </a:r>
+            <a:endParaRPr lang="en-US"/>
           </a:p>
           <a:p>
             <a:pPr lvl="1"/>
@@ -418,6 +365,7 @@
               <a:rPr lang="en-US"/>
               <a:t>Second level</a:t>
             </a:r>
+            <a:endParaRPr lang="en-US"/>
           </a:p>
           <a:p>
             <a:pPr lvl="2"/>
@@ -425,6 +373,7 @@
               <a:rPr lang="en-US"/>
               <a:t>Third level</a:t>
             </a:r>
+            <a:endParaRPr lang="en-US"/>
           </a:p>
           <a:p>
             <a:pPr lvl="3"/>
@@ -432,6 +381,7 @@
               <a:rPr lang="en-US"/>
               <a:t>Fourth level</a:t>
             </a:r>
+            <a:endParaRPr lang="en-US"/>
           </a:p>
           <a:p>
             <a:pPr lvl="4"/>
@@ -445,13 +395,7 @@
       </p:sp>
       <p:sp>
         <p:nvSpPr>
-          <p:cNvPr id="4" name="Date Placeholder 3">
-            <a:extLst>
-              <a:ext uri="{FF2B5EF4-FFF2-40B4-BE49-F238E27FC236}">
-                <a16:creationId xmlns:a16="http://schemas.microsoft.com/office/drawing/2014/main" id="{CEA228BF-2842-3E47-64AF-DE489AF1A361}"/>
-              </a:ext>
-            </a:extLst>
-          </p:cNvPr>
+          <p:cNvPr id="4" name="Date Placeholder 3"/>
           <p:cNvSpPr>
             <a:spLocks noGrp="1"/>
           </p:cNvSpPr>
@@ -466,7 +410,6 @@
           <a:p>
             <a:fld id="{13BFA79F-8F1A-4DCE-B7E9-7B247D930065}" type="datetimeFigureOut">
               <a:rPr lang="en-IN" smtClean="0"/>
-              <a:t>10-07-22</a:t>
             </a:fld>
             <a:endParaRPr lang="en-IN"/>
           </a:p>
@@ -474,13 +417,7 @@
       </p:sp>
       <p:sp>
         <p:nvSpPr>
-          <p:cNvPr id="5" name="Footer Placeholder 4">
-            <a:extLst>
-              <a:ext uri="{FF2B5EF4-FFF2-40B4-BE49-F238E27FC236}">
-                <a16:creationId xmlns:a16="http://schemas.microsoft.com/office/drawing/2014/main" id="{D6F14769-4160-D010-81D3-249E3F8247FE}"/>
-              </a:ext>
-            </a:extLst>
-          </p:cNvPr>
+          <p:cNvPr id="5" name="Footer Placeholder 4"/>
           <p:cNvSpPr>
             <a:spLocks noGrp="1"/>
           </p:cNvSpPr>
@@ -499,13 +436,7 @@
       </p:sp>
       <p:sp>
         <p:nvSpPr>
-          <p:cNvPr id="6" name="Slide Number Placeholder 5">
-            <a:extLst>
-              <a:ext uri="{FF2B5EF4-FFF2-40B4-BE49-F238E27FC236}">
-                <a16:creationId xmlns:a16="http://schemas.microsoft.com/office/drawing/2014/main" id="{C498F0CE-FD34-9329-B1C6-871699F82F34}"/>
-              </a:ext>
-            </a:extLst>
-          </p:cNvPr>
+          <p:cNvPr id="6" name="Slide Number Placeholder 5"/>
           <p:cNvSpPr>
             <a:spLocks noGrp="1"/>
           </p:cNvSpPr>
@@ -520,18 +451,12 @@
           <a:p>
             <a:fld id="{491B6F5D-4056-4B62-8934-C31EF044F50B}" type="slidenum">
               <a:rPr lang="en-IN" smtClean="0"/>
-              <a:t>‹#›</a:t>
             </a:fld>
             <a:endParaRPr lang="en-IN"/>
           </a:p>
         </p:txBody>
       </p:sp>
     </p:spTree>
-    <p:extLst>
-      <p:ext uri="{BB962C8B-B14F-4D97-AF65-F5344CB8AC3E}">
-        <p14:creationId xmlns:p14="http://schemas.microsoft.com/office/powerpoint/2010/main" val="2661232079"/>
-      </p:ext>
-    </p:extLst>
   </p:cSld>
   <p:clrMapOvr>
     <a:masterClrMapping/>
@@ -558,13 +483,7 @@
       </p:grpSpPr>
       <p:sp>
         <p:nvSpPr>
-          <p:cNvPr id="2" name="Vertical Title 1">
-            <a:extLst>
-              <a:ext uri="{FF2B5EF4-FFF2-40B4-BE49-F238E27FC236}">
-                <a16:creationId xmlns:a16="http://schemas.microsoft.com/office/drawing/2014/main" id="{8302613B-0069-C4D2-8249-00490907796B}"/>
-              </a:ext>
-            </a:extLst>
-          </p:cNvPr>
+          <p:cNvPr id="2" name="Vertical Title 1"/>
           <p:cNvSpPr>
             <a:spLocks noGrp="1"/>
           </p:cNvSpPr>
@@ -592,13 +511,7 @@
       </p:sp>
       <p:sp>
         <p:nvSpPr>
-          <p:cNvPr id="3" name="Vertical Text Placeholder 2">
-            <a:extLst>
-              <a:ext uri="{FF2B5EF4-FFF2-40B4-BE49-F238E27FC236}">
-                <a16:creationId xmlns:a16="http://schemas.microsoft.com/office/drawing/2014/main" id="{88DAF3DD-A004-E640-0E0C-2BDEECA63032}"/>
-              </a:ext>
-            </a:extLst>
-          </p:cNvPr>
+          <p:cNvPr id="3" name="Vertical Text Placeholder 2"/>
           <p:cNvSpPr>
             <a:spLocks noGrp="1"/>
           </p:cNvSpPr>
@@ -621,6 +534,7 @@
               <a:rPr lang="en-US"/>
               <a:t>Click to edit Master text styles</a:t>
             </a:r>
+            <a:endParaRPr lang="en-US"/>
           </a:p>
           <a:p>
             <a:pPr lvl="1"/>
@@ -628,6 +542,7 @@
               <a:rPr lang="en-US"/>
               <a:t>Second level</a:t>
             </a:r>
+            <a:endParaRPr lang="en-US"/>
           </a:p>
           <a:p>
             <a:pPr lvl="2"/>
@@ -635,6 +550,7 @@
               <a:rPr lang="en-US"/>
               <a:t>Third level</a:t>
             </a:r>
+            <a:endParaRPr lang="en-US"/>
           </a:p>
           <a:p>
             <a:pPr lvl="3"/>
@@ -642,6 +558,7 @@
               <a:rPr lang="en-US"/>
               <a:t>Fourth level</a:t>
             </a:r>
+            <a:endParaRPr lang="en-US"/>
           </a:p>
           <a:p>
             <a:pPr lvl="4"/>
@@ -655,13 +572,7 @@
       </p:sp>
       <p:sp>
         <p:nvSpPr>
-          <p:cNvPr id="4" name="Date Placeholder 3">
-            <a:extLst>
-              <a:ext uri="{FF2B5EF4-FFF2-40B4-BE49-F238E27FC236}">
-                <a16:creationId xmlns:a16="http://schemas.microsoft.com/office/drawing/2014/main" id="{AA3E5E26-D2D0-5851-67CA-D239CEB85394}"/>
-              </a:ext>
-            </a:extLst>
-          </p:cNvPr>
+          <p:cNvPr id="4" name="Date Placeholder 3"/>
           <p:cNvSpPr>
             <a:spLocks noGrp="1"/>
           </p:cNvSpPr>
@@ -676,7 +587,6 @@
           <a:p>
             <a:fld id="{13BFA79F-8F1A-4DCE-B7E9-7B247D930065}" type="datetimeFigureOut">
               <a:rPr lang="en-IN" smtClean="0"/>
-              <a:t>10-07-22</a:t>
             </a:fld>
             <a:endParaRPr lang="en-IN"/>
           </a:p>
@@ -684,13 +594,7 @@
       </p:sp>
       <p:sp>
         <p:nvSpPr>
-          <p:cNvPr id="5" name="Footer Placeholder 4">
-            <a:extLst>
-              <a:ext uri="{FF2B5EF4-FFF2-40B4-BE49-F238E27FC236}">
-                <a16:creationId xmlns:a16="http://schemas.microsoft.com/office/drawing/2014/main" id="{9049EE17-16DF-E227-9A3E-076FBF31E53D}"/>
-              </a:ext>
-            </a:extLst>
-          </p:cNvPr>
+          <p:cNvPr id="5" name="Footer Placeholder 4"/>
           <p:cNvSpPr>
             <a:spLocks noGrp="1"/>
           </p:cNvSpPr>
@@ -709,13 +613,7 @@
       </p:sp>
       <p:sp>
         <p:nvSpPr>
-          <p:cNvPr id="6" name="Slide Number Placeholder 5">
-            <a:extLst>
-              <a:ext uri="{FF2B5EF4-FFF2-40B4-BE49-F238E27FC236}">
-                <a16:creationId xmlns:a16="http://schemas.microsoft.com/office/drawing/2014/main" id="{5DCC67C0-BD01-6589-787A-557EB58F8BFD}"/>
-              </a:ext>
-            </a:extLst>
-          </p:cNvPr>
+          <p:cNvPr id="6" name="Slide Number Placeholder 5"/>
           <p:cNvSpPr>
             <a:spLocks noGrp="1"/>
           </p:cNvSpPr>
@@ -730,18 +628,12 @@
           <a:p>
             <a:fld id="{491B6F5D-4056-4B62-8934-C31EF044F50B}" type="slidenum">
               <a:rPr lang="en-IN" smtClean="0"/>
-              <a:t>‹#›</a:t>
             </a:fld>
             <a:endParaRPr lang="en-IN"/>
           </a:p>
         </p:txBody>
       </p:sp>
     </p:spTree>
-    <p:extLst>
-      <p:ext uri="{BB962C8B-B14F-4D97-AF65-F5344CB8AC3E}">
-        <p14:creationId xmlns:p14="http://schemas.microsoft.com/office/powerpoint/2010/main" val="3554854852"/>
-      </p:ext>
-    </p:extLst>
   </p:cSld>
   <p:clrMapOvr>
     <a:masterClrMapping/>
@@ -768,13 +660,7 @@
       </p:grpSpPr>
       <p:sp>
         <p:nvSpPr>
-          <p:cNvPr id="2" name="Title 1">
-            <a:extLst>
-              <a:ext uri="{FF2B5EF4-FFF2-40B4-BE49-F238E27FC236}">
-                <a16:creationId xmlns:a16="http://schemas.microsoft.com/office/drawing/2014/main" id="{D7C116A7-BBC3-6E6C-0F58-C40D2F941AFF}"/>
-              </a:ext>
-            </a:extLst>
-          </p:cNvPr>
+          <p:cNvPr id="2" name="Title 1"/>
           <p:cNvSpPr>
             <a:spLocks noGrp="1"/>
           </p:cNvSpPr>
@@ -797,13 +683,7 @@
       </p:sp>
       <p:sp>
         <p:nvSpPr>
-          <p:cNvPr id="3" name="Content Placeholder 2">
-            <a:extLst>
-              <a:ext uri="{FF2B5EF4-FFF2-40B4-BE49-F238E27FC236}">
-                <a16:creationId xmlns:a16="http://schemas.microsoft.com/office/drawing/2014/main" id="{CE700832-1D90-2262-BFC2-FB99F4F22436}"/>
-              </a:ext>
-            </a:extLst>
-          </p:cNvPr>
+          <p:cNvPr id="3" name="Content Placeholder 2"/>
           <p:cNvSpPr>
             <a:spLocks noGrp="1"/>
           </p:cNvSpPr>
@@ -821,6 +701,7 @@
               <a:rPr lang="en-US"/>
               <a:t>Click to edit Master text styles</a:t>
             </a:r>
+            <a:endParaRPr lang="en-US"/>
           </a:p>
           <a:p>
             <a:pPr lvl="1"/>
@@ -828,6 +709,7 @@
               <a:rPr lang="en-US"/>
               <a:t>Second level</a:t>
             </a:r>
+            <a:endParaRPr lang="en-US"/>
           </a:p>
           <a:p>
             <a:pPr lvl="2"/>
@@ -835,6 +717,7 @@
               <a:rPr lang="en-US"/>
               <a:t>Third level</a:t>
             </a:r>
+            <a:endParaRPr lang="en-US"/>
           </a:p>
           <a:p>
             <a:pPr lvl="3"/>
@@ -842,6 +725,7 @@
               <a:rPr lang="en-US"/>
               <a:t>Fourth level</a:t>
             </a:r>
+            <a:endParaRPr lang="en-US"/>
           </a:p>
           <a:p>
             <a:pPr lvl="4"/>
@@ -855,13 +739,7 @@
       </p:sp>
       <p:sp>
         <p:nvSpPr>
-          <p:cNvPr id="4" name="Date Placeholder 3">
-            <a:extLst>
-              <a:ext uri="{FF2B5EF4-FFF2-40B4-BE49-F238E27FC236}">
-                <a16:creationId xmlns:a16="http://schemas.microsoft.com/office/drawing/2014/main" id="{3F074B16-F8F7-2C46-E5F9-095A21F17E57}"/>
-              </a:ext>
-            </a:extLst>
-          </p:cNvPr>
+          <p:cNvPr id="4" name="Date Placeholder 3"/>
           <p:cNvSpPr>
             <a:spLocks noGrp="1"/>
           </p:cNvSpPr>
@@ -876,7 +754,6 @@
           <a:p>
             <a:fld id="{13BFA79F-8F1A-4DCE-B7E9-7B247D930065}" type="datetimeFigureOut">
               <a:rPr lang="en-IN" smtClean="0"/>
-              <a:t>10-07-22</a:t>
             </a:fld>
             <a:endParaRPr lang="en-IN"/>
           </a:p>
@@ -884,13 +761,7 @@
       </p:sp>
       <p:sp>
         <p:nvSpPr>
-          <p:cNvPr id="5" name="Footer Placeholder 4">
-            <a:extLst>
-              <a:ext uri="{FF2B5EF4-FFF2-40B4-BE49-F238E27FC236}">
-                <a16:creationId xmlns:a16="http://schemas.microsoft.com/office/drawing/2014/main" id="{46CFE962-AC8D-508B-B998-036996BEFB90}"/>
-              </a:ext>
-            </a:extLst>
-          </p:cNvPr>
+          <p:cNvPr id="5" name="Footer Placeholder 4"/>
           <p:cNvSpPr>
             <a:spLocks noGrp="1"/>
           </p:cNvSpPr>
@@ -909,13 +780,7 @@
       </p:sp>
       <p:sp>
         <p:nvSpPr>
-          <p:cNvPr id="6" name="Slide Number Placeholder 5">
-            <a:extLst>
-              <a:ext uri="{FF2B5EF4-FFF2-40B4-BE49-F238E27FC236}">
-                <a16:creationId xmlns:a16="http://schemas.microsoft.com/office/drawing/2014/main" id="{FB701E46-7F2D-E68E-7A8F-D6C469298263}"/>
-              </a:ext>
-            </a:extLst>
-          </p:cNvPr>
+          <p:cNvPr id="6" name="Slide Number Placeholder 5"/>
           <p:cNvSpPr>
             <a:spLocks noGrp="1"/>
           </p:cNvSpPr>
@@ -930,18 +795,12 @@
           <a:p>
             <a:fld id="{491B6F5D-4056-4B62-8934-C31EF044F50B}" type="slidenum">
               <a:rPr lang="en-IN" smtClean="0"/>
-              <a:t>‹#›</a:t>
             </a:fld>
             <a:endParaRPr lang="en-IN"/>
           </a:p>
         </p:txBody>
       </p:sp>
     </p:spTree>
-    <p:extLst>
-      <p:ext uri="{BB962C8B-B14F-4D97-AF65-F5344CB8AC3E}">
-        <p14:creationId xmlns:p14="http://schemas.microsoft.com/office/powerpoint/2010/main" val="600646276"/>
-      </p:ext>
-    </p:extLst>
   </p:cSld>
   <p:clrMapOvr>
     <a:masterClrMapping/>
@@ -968,13 +827,7 @@
       </p:grpSpPr>
       <p:sp>
         <p:nvSpPr>
-          <p:cNvPr id="2" name="Title 1">
-            <a:extLst>
-              <a:ext uri="{FF2B5EF4-FFF2-40B4-BE49-F238E27FC236}">
-                <a16:creationId xmlns:a16="http://schemas.microsoft.com/office/drawing/2014/main" id="{578BB418-83D9-5D80-3A2D-09E4E545C561}"/>
-              </a:ext>
-            </a:extLst>
-          </p:cNvPr>
+          <p:cNvPr id="2" name="Title 1"/>
           <p:cNvSpPr>
             <a:spLocks noGrp="1"/>
           </p:cNvSpPr>
@@ -1006,13 +859,7 @@
       </p:sp>
       <p:sp>
         <p:nvSpPr>
-          <p:cNvPr id="3" name="Text Placeholder 2">
-            <a:extLst>
-              <a:ext uri="{FF2B5EF4-FFF2-40B4-BE49-F238E27FC236}">
-                <a16:creationId xmlns:a16="http://schemas.microsoft.com/office/drawing/2014/main" id="{1393F539-D531-BBF6-18D1-1B3E622E7557}"/>
-              </a:ext>
-            </a:extLst>
-          </p:cNvPr>
+          <p:cNvPr id="3" name="Text Placeholder 2"/>
           <p:cNvSpPr>
             <a:spLocks noGrp="1"/>
           </p:cNvSpPr>
@@ -1126,18 +973,13 @@
               <a:rPr lang="en-US"/>
               <a:t>Click to edit Master text styles</a:t>
             </a:r>
-          </a:p>
-        </p:txBody>
-      </p:sp>
-      <p:sp>
-        <p:nvSpPr>
-          <p:cNvPr id="4" name="Date Placeholder 3">
-            <a:extLst>
-              <a:ext uri="{FF2B5EF4-FFF2-40B4-BE49-F238E27FC236}">
-                <a16:creationId xmlns:a16="http://schemas.microsoft.com/office/drawing/2014/main" id="{033D0435-30CC-B32F-75D9-240C2BFD00B7}"/>
-              </a:ext>
-            </a:extLst>
-          </p:cNvPr>
+            <a:endParaRPr lang="en-US"/>
+          </a:p>
+        </p:txBody>
+      </p:sp>
+      <p:sp>
+        <p:nvSpPr>
+          <p:cNvPr id="4" name="Date Placeholder 3"/>
           <p:cNvSpPr>
             <a:spLocks noGrp="1"/>
           </p:cNvSpPr>
@@ -1152,7 +994,6 @@
           <a:p>
             <a:fld id="{13BFA79F-8F1A-4DCE-B7E9-7B247D930065}" type="datetimeFigureOut">
               <a:rPr lang="en-IN" smtClean="0"/>
-              <a:t>10-07-22</a:t>
             </a:fld>
             <a:endParaRPr lang="en-IN"/>
           </a:p>
@@ -1160,13 +1001,7 @@
       </p:sp>
       <p:sp>
         <p:nvSpPr>
-          <p:cNvPr id="5" name="Footer Placeholder 4">
-            <a:extLst>
-              <a:ext uri="{FF2B5EF4-FFF2-40B4-BE49-F238E27FC236}">
-                <a16:creationId xmlns:a16="http://schemas.microsoft.com/office/drawing/2014/main" id="{D1B9902A-DD22-6207-59AA-9EA4B93D556A}"/>
-              </a:ext>
-            </a:extLst>
-          </p:cNvPr>
+          <p:cNvPr id="5" name="Footer Placeholder 4"/>
           <p:cNvSpPr>
             <a:spLocks noGrp="1"/>
           </p:cNvSpPr>
@@ -1185,13 +1020,7 @@
       </p:sp>
       <p:sp>
         <p:nvSpPr>
-          <p:cNvPr id="6" name="Slide Number Placeholder 5">
-            <a:extLst>
-              <a:ext uri="{FF2B5EF4-FFF2-40B4-BE49-F238E27FC236}">
-                <a16:creationId xmlns:a16="http://schemas.microsoft.com/office/drawing/2014/main" id="{B4A63ED9-C2AB-DDF3-1A28-B37AECECEE53}"/>
-              </a:ext>
-            </a:extLst>
-          </p:cNvPr>
+          <p:cNvPr id="6" name="Slide Number Placeholder 5"/>
           <p:cNvSpPr>
             <a:spLocks noGrp="1"/>
           </p:cNvSpPr>
@@ -1206,18 +1035,12 @@
           <a:p>
             <a:fld id="{491B6F5D-4056-4B62-8934-C31EF044F50B}" type="slidenum">
               <a:rPr lang="en-IN" smtClean="0"/>
-              <a:t>‹#›</a:t>
             </a:fld>
             <a:endParaRPr lang="en-IN"/>
           </a:p>
         </p:txBody>
       </p:sp>
     </p:spTree>
-    <p:extLst>
-      <p:ext uri="{BB962C8B-B14F-4D97-AF65-F5344CB8AC3E}">
-        <p14:creationId xmlns:p14="http://schemas.microsoft.com/office/powerpoint/2010/main" val="1583776041"/>
-      </p:ext>
-    </p:extLst>
   </p:cSld>
   <p:clrMapOvr>
     <a:masterClrMapping/>
@@ -1244,13 +1067,7 @@
       </p:grpSpPr>
       <p:sp>
         <p:nvSpPr>
-          <p:cNvPr id="2" name="Title 1">
-            <a:extLst>
-              <a:ext uri="{FF2B5EF4-FFF2-40B4-BE49-F238E27FC236}">
-                <a16:creationId xmlns:a16="http://schemas.microsoft.com/office/drawing/2014/main" id="{7A37F622-2C9C-F1D3-58DE-B02C4A71D2AD}"/>
-              </a:ext>
-            </a:extLst>
-          </p:cNvPr>
+          <p:cNvPr id="2" name="Title 1"/>
           <p:cNvSpPr>
             <a:spLocks noGrp="1"/>
           </p:cNvSpPr>
@@ -1273,13 +1090,7 @@
       </p:sp>
       <p:sp>
         <p:nvSpPr>
-          <p:cNvPr id="3" name="Content Placeholder 2">
-            <a:extLst>
-              <a:ext uri="{FF2B5EF4-FFF2-40B4-BE49-F238E27FC236}">
-                <a16:creationId xmlns:a16="http://schemas.microsoft.com/office/drawing/2014/main" id="{9AA24410-354C-83B6-D35D-0D59601957E2}"/>
-              </a:ext>
-            </a:extLst>
-          </p:cNvPr>
+          <p:cNvPr id="3" name="Content Placeholder 2"/>
           <p:cNvSpPr>
             <a:spLocks noGrp="1"/>
           </p:cNvSpPr>
@@ -1302,6 +1113,7 @@
               <a:rPr lang="en-US"/>
               <a:t>Click to edit Master text styles</a:t>
             </a:r>
+            <a:endParaRPr lang="en-US"/>
           </a:p>
           <a:p>
             <a:pPr lvl="1"/>
@@ -1309,6 +1121,7 @@
               <a:rPr lang="en-US"/>
               <a:t>Second level</a:t>
             </a:r>
+            <a:endParaRPr lang="en-US"/>
           </a:p>
           <a:p>
             <a:pPr lvl="2"/>
@@ -1316,6 +1129,7 @@
               <a:rPr lang="en-US"/>
               <a:t>Third level</a:t>
             </a:r>
+            <a:endParaRPr lang="en-US"/>
           </a:p>
           <a:p>
             <a:pPr lvl="3"/>
@@ -1323,6 +1137,7 @@
               <a:rPr lang="en-US"/>
               <a:t>Fourth level</a:t>
             </a:r>
+            <a:endParaRPr lang="en-US"/>
           </a:p>
           <a:p>
             <a:pPr lvl="4"/>
@@ -1336,13 +1151,7 @@
       </p:sp>
       <p:sp>
         <p:nvSpPr>
-          <p:cNvPr id="4" name="Content Placeholder 3">
-            <a:extLst>
-              <a:ext uri="{FF2B5EF4-FFF2-40B4-BE49-F238E27FC236}">
-                <a16:creationId xmlns:a16="http://schemas.microsoft.com/office/drawing/2014/main" id="{5528EE8F-2C4D-8F25-1A29-564FE3125F22}"/>
-              </a:ext>
-            </a:extLst>
-          </p:cNvPr>
+          <p:cNvPr id="4" name="Content Placeholder 3"/>
           <p:cNvSpPr>
             <a:spLocks noGrp="1"/>
           </p:cNvSpPr>
@@ -1365,6 +1174,7 @@
               <a:rPr lang="en-US"/>
               <a:t>Click to edit Master text styles</a:t>
             </a:r>
+            <a:endParaRPr lang="en-US"/>
           </a:p>
           <a:p>
             <a:pPr lvl="1"/>
@@ -1372,6 +1182,7 @@
               <a:rPr lang="en-US"/>
               <a:t>Second level</a:t>
             </a:r>
+            <a:endParaRPr lang="en-US"/>
           </a:p>
           <a:p>
             <a:pPr lvl="2"/>
@@ -1379,6 +1190,7 @@
               <a:rPr lang="en-US"/>
               <a:t>Third level</a:t>
             </a:r>
+            <a:endParaRPr lang="en-US"/>
           </a:p>
           <a:p>
             <a:pPr lvl="3"/>
@@ -1386,6 +1198,7 @@
               <a:rPr lang="en-US"/>
               <a:t>Fourth level</a:t>
             </a:r>
+            <a:endParaRPr lang="en-US"/>
           </a:p>
           <a:p>
             <a:pPr lvl="4"/>
@@ -1399,13 +1212,7 @@
       </p:sp>
       <p:sp>
         <p:nvSpPr>
-          <p:cNvPr id="5" name="Date Placeholder 4">
-            <a:extLst>
-              <a:ext uri="{FF2B5EF4-FFF2-40B4-BE49-F238E27FC236}">
-                <a16:creationId xmlns:a16="http://schemas.microsoft.com/office/drawing/2014/main" id="{4F577DD2-4537-C383-5177-BF15E16E8120}"/>
-              </a:ext>
-            </a:extLst>
-          </p:cNvPr>
+          <p:cNvPr id="5" name="Date Placeholder 4"/>
           <p:cNvSpPr>
             <a:spLocks noGrp="1"/>
           </p:cNvSpPr>
@@ -1420,7 +1227,6 @@
           <a:p>
             <a:fld id="{13BFA79F-8F1A-4DCE-B7E9-7B247D930065}" type="datetimeFigureOut">
               <a:rPr lang="en-IN" smtClean="0"/>
-              <a:t>10-07-22</a:t>
             </a:fld>
             <a:endParaRPr lang="en-IN"/>
           </a:p>
@@ -1428,13 +1234,7 @@
       </p:sp>
       <p:sp>
         <p:nvSpPr>
-          <p:cNvPr id="6" name="Footer Placeholder 5">
-            <a:extLst>
-              <a:ext uri="{FF2B5EF4-FFF2-40B4-BE49-F238E27FC236}">
-                <a16:creationId xmlns:a16="http://schemas.microsoft.com/office/drawing/2014/main" id="{C5358BB1-9846-B6CB-9864-CADCCE138952}"/>
-              </a:ext>
-            </a:extLst>
-          </p:cNvPr>
+          <p:cNvPr id="6" name="Footer Placeholder 5"/>
           <p:cNvSpPr>
             <a:spLocks noGrp="1"/>
           </p:cNvSpPr>
@@ -1453,13 +1253,7 @@
       </p:sp>
       <p:sp>
         <p:nvSpPr>
-          <p:cNvPr id="7" name="Slide Number Placeholder 6">
-            <a:extLst>
-              <a:ext uri="{FF2B5EF4-FFF2-40B4-BE49-F238E27FC236}">
-                <a16:creationId xmlns:a16="http://schemas.microsoft.com/office/drawing/2014/main" id="{041A7BE4-F8EB-DD84-E189-113AD0764C3E}"/>
-              </a:ext>
-            </a:extLst>
-          </p:cNvPr>
+          <p:cNvPr id="7" name="Slide Number Placeholder 6"/>
           <p:cNvSpPr>
             <a:spLocks noGrp="1"/>
           </p:cNvSpPr>
@@ -1474,18 +1268,12 @@
           <a:p>
             <a:fld id="{491B6F5D-4056-4B62-8934-C31EF044F50B}" type="slidenum">
               <a:rPr lang="en-IN" smtClean="0"/>
-              <a:t>‹#›</a:t>
             </a:fld>
             <a:endParaRPr lang="en-IN"/>
           </a:p>
         </p:txBody>
       </p:sp>
     </p:spTree>
-    <p:extLst>
-      <p:ext uri="{BB962C8B-B14F-4D97-AF65-F5344CB8AC3E}">
-        <p14:creationId xmlns:p14="http://schemas.microsoft.com/office/powerpoint/2010/main" val="3272113381"/>
-      </p:ext>
-    </p:extLst>
   </p:cSld>
   <p:clrMapOvr>
     <a:masterClrMapping/>
@@ -1512,13 +1300,7 @@
       </p:grpSpPr>
       <p:sp>
         <p:nvSpPr>
-          <p:cNvPr id="2" name="Title 1">
-            <a:extLst>
-              <a:ext uri="{FF2B5EF4-FFF2-40B4-BE49-F238E27FC236}">
-                <a16:creationId xmlns:a16="http://schemas.microsoft.com/office/drawing/2014/main" id="{FD13D388-05CC-FDAD-7548-BE655562AE6B}"/>
-              </a:ext>
-            </a:extLst>
-          </p:cNvPr>
+          <p:cNvPr id="2" name="Title 1"/>
           <p:cNvSpPr>
             <a:spLocks noGrp="1"/>
           </p:cNvSpPr>
@@ -1546,13 +1328,7 @@
       </p:sp>
       <p:sp>
         <p:nvSpPr>
-          <p:cNvPr id="3" name="Text Placeholder 2">
-            <a:extLst>
-              <a:ext uri="{FF2B5EF4-FFF2-40B4-BE49-F238E27FC236}">
-                <a16:creationId xmlns:a16="http://schemas.microsoft.com/office/drawing/2014/main" id="{F97DE52C-C0C8-E7FE-CF82-E1396DC24891}"/>
-              </a:ext>
-            </a:extLst>
-          </p:cNvPr>
+          <p:cNvPr id="3" name="Text Placeholder 2"/>
           <p:cNvSpPr>
             <a:spLocks noGrp="1"/>
           </p:cNvSpPr>
@@ -1612,18 +1388,13 @@
               <a:rPr lang="en-US"/>
               <a:t>Click to edit Master text styles</a:t>
             </a:r>
-          </a:p>
-        </p:txBody>
-      </p:sp>
-      <p:sp>
-        <p:nvSpPr>
-          <p:cNvPr id="4" name="Content Placeholder 3">
-            <a:extLst>
-              <a:ext uri="{FF2B5EF4-FFF2-40B4-BE49-F238E27FC236}">
-                <a16:creationId xmlns:a16="http://schemas.microsoft.com/office/drawing/2014/main" id="{0B8958A2-254B-806A-B6C4-EB07B609AFCE}"/>
-              </a:ext>
-            </a:extLst>
-          </p:cNvPr>
+            <a:endParaRPr lang="en-US"/>
+          </a:p>
+        </p:txBody>
+      </p:sp>
+      <p:sp>
+        <p:nvSpPr>
+          <p:cNvPr id="4" name="Content Placeholder 3"/>
           <p:cNvSpPr>
             <a:spLocks noGrp="1"/>
           </p:cNvSpPr>
@@ -1646,6 +1417,7 @@
               <a:rPr lang="en-US"/>
               <a:t>Click to edit Master text styles</a:t>
             </a:r>
+            <a:endParaRPr lang="en-US"/>
           </a:p>
           <a:p>
             <a:pPr lvl="1"/>
@@ -1653,6 +1425,7 @@
               <a:rPr lang="en-US"/>
               <a:t>Second level</a:t>
             </a:r>
+            <a:endParaRPr lang="en-US"/>
           </a:p>
           <a:p>
             <a:pPr lvl="2"/>
@@ -1660,6 +1433,7 @@
               <a:rPr lang="en-US"/>
               <a:t>Third level</a:t>
             </a:r>
+            <a:endParaRPr lang="en-US"/>
           </a:p>
           <a:p>
             <a:pPr lvl="3"/>
@@ -1667,6 +1441,7 @@
               <a:rPr lang="en-US"/>
               <a:t>Fourth level</a:t>
             </a:r>
+            <a:endParaRPr lang="en-US"/>
           </a:p>
           <a:p>
             <a:pPr lvl="4"/>
@@ -1680,13 +1455,7 @@
       </p:sp>
       <p:sp>
         <p:nvSpPr>
-          <p:cNvPr id="5" name="Text Placeholder 4">
-            <a:extLst>
-              <a:ext uri="{FF2B5EF4-FFF2-40B4-BE49-F238E27FC236}">
-                <a16:creationId xmlns:a16="http://schemas.microsoft.com/office/drawing/2014/main" id="{33750E0D-38EB-671F-F143-E262EE9B43A8}"/>
-              </a:ext>
-            </a:extLst>
-          </p:cNvPr>
+          <p:cNvPr id="5" name="Text Placeholder 4"/>
           <p:cNvSpPr>
             <a:spLocks noGrp="1"/>
           </p:cNvSpPr>
@@ -1746,18 +1515,13 @@
               <a:rPr lang="en-US"/>
               <a:t>Click to edit Master text styles</a:t>
             </a:r>
-          </a:p>
-        </p:txBody>
-      </p:sp>
-      <p:sp>
-        <p:nvSpPr>
-          <p:cNvPr id="6" name="Content Placeholder 5">
-            <a:extLst>
-              <a:ext uri="{FF2B5EF4-FFF2-40B4-BE49-F238E27FC236}">
-                <a16:creationId xmlns:a16="http://schemas.microsoft.com/office/drawing/2014/main" id="{686D3B4A-F1E8-662E-E3A3-8AF5F561022C}"/>
-              </a:ext>
-            </a:extLst>
-          </p:cNvPr>
+            <a:endParaRPr lang="en-US"/>
+          </a:p>
+        </p:txBody>
+      </p:sp>
+      <p:sp>
+        <p:nvSpPr>
+          <p:cNvPr id="6" name="Content Placeholder 5"/>
           <p:cNvSpPr>
             <a:spLocks noGrp="1"/>
           </p:cNvSpPr>
@@ -1780,6 +1544,7 @@
               <a:rPr lang="en-US"/>
               <a:t>Click to edit Master text styles</a:t>
             </a:r>
+            <a:endParaRPr lang="en-US"/>
           </a:p>
           <a:p>
             <a:pPr lvl="1"/>
@@ -1787,6 +1552,7 @@
               <a:rPr lang="en-US"/>
               <a:t>Second level</a:t>
             </a:r>
+            <a:endParaRPr lang="en-US"/>
           </a:p>
           <a:p>
             <a:pPr lvl="2"/>
@@ -1794,6 +1560,7 @@
               <a:rPr lang="en-US"/>
               <a:t>Third level</a:t>
             </a:r>
+            <a:endParaRPr lang="en-US"/>
           </a:p>
           <a:p>
             <a:pPr lvl="3"/>
@@ -1801,6 +1568,7 @@
               <a:rPr lang="en-US"/>
               <a:t>Fourth level</a:t>
             </a:r>
+            <a:endParaRPr lang="en-US"/>
           </a:p>
           <a:p>
             <a:pPr lvl="4"/>
@@ -1814,13 +1582,7 @@
       </p:sp>
       <p:sp>
         <p:nvSpPr>
-          <p:cNvPr id="7" name="Date Placeholder 6">
-            <a:extLst>
-              <a:ext uri="{FF2B5EF4-FFF2-40B4-BE49-F238E27FC236}">
-                <a16:creationId xmlns:a16="http://schemas.microsoft.com/office/drawing/2014/main" id="{B28E738F-1BAB-B329-ABD8-726CAC728395}"/>
-              </a:ext>
-            </a:extLst>
-          </p:cNvPr>
+          <p:cNvPr id="7" name="Date Placeholder 6"/>
           <p:cNvSpPr>
             <a:spLocks noGrp="1"/>
           </p:cNvSpPr>
@@ -1835,7 +1597,6 @@
           <a:p>
             <a:fld id="{13BFA79F-8F1A-4DCE-B7E9-7B247D930065}" type="datetimeFigureOut">
               <a:rPr lang="en-IN" smtClean="0"/>
-              <a:t>10-07-22</a:t>
             </a:fld>
             <a:endParaRPr lang="en-IN"/>
           </a:p>
@@ -1843,13 +1604,7 @@
       </p:sp>
       <p:sp>
         <p:nvSpPr>
-          <p:cNvPr id="8" name="Footer Placeholder 7">
-            <a:extLst>
-              <a:ext uri="{FF2B5EF4-FFF2-40B4-BE49-F238E27FC236}">
-                <a16:creationId xmlns:a16="http://schemas.microsoft.com/office/drawing/2014/main" id="{D6DC7806-CF0C-9189-61FC-076622FD0EEE}"/>
-              </a:ext>
-            </a:extLst>
-          </p:cNvPr>
+          <p:cNvPr id="8" name="Footer Placeholder 7"/>
           <p:cNvSpPr>
             <a:spLocks noGrp="1"/>
           </p:cNvSpPr>
@@ -1868,13 +1623,7 @@
       </p:sp>
       <p:sp>
         <p:nvSpPr>
-          <p:cNvPr id="9" name="Slide Number Placeholder 8">
-            <a:extLst>
-              <a:ext uri="{FF2B5EF4-FFF2-40B4-BE49-F238E27FC236}">
-                <a16:creationId xmlns:a16="http://schemas.microsoft.com/office/drawing/2014/main" id="{1F877614-18FA-28A6-BEDA-940EFC2FE69D}"/>
-              </a:ext>
-            </a:extLst>
-          </p:cNvPr>
+          <p:cNvPr id="9" name="Slide Number Placeholder 8"/>
           <p:cNvSpPr>
             <a:spLocks noGrp="1"/>
           </p:cNvSpPr>
@@ -1889,18 +1638,12 @@
           <a:p>
             <a:fld id="{491B6F5D-4056-4B62-8934-C31EF044F50B}" type="slidenum">
               <a:rPr lang="en-IN" smtClean="0"/>
-              <a:t>‹#›</a:t>
             </a:fld>
             <a:endParaRPr lang="en-IN"/>
           </a:p>
         </p:txBody>
       </p:sp>
     </p:spTree>
-    <p:extLst>
-      <p:ext uri="{BB962C8B-B14F-4D97-AF65-F5344CB8AC3E}">
-        <p14:creationId xmlns:p14="http://schemas.microsoft.com/office/powerpoint/2010/main" val="3536776881"/>
-      </p:ext>
-    </p:extLst>
   </p:cSld>
   <p:clrMapOvr>
     <a:masterClrMapping/>
@@ -1927,13 +1670,7 @@
       </p:grpSpPr>
       <p:sp>
         <p:nvSpPr>
-          <p:cNvPr id="2" name="Title 1">
-            <a:extLst>
-              <a:ext uri="{FF2B5EF4-FFF2-40B4-BE49-F238E27FC236}">
-                <a16:creationId xmlns:a16="http://schemas.microsoft.com/office/drawing/2014/main" id="{4F67FF02-8F7E-669F-A0CB-640508D4A1ED}"/>
-              </a:ext>
-            </a:extLst>
-          </p:cNvPr>
+          <p:cNvPr id="2" name="Title 1"/>
           <p:cNvSpPr>
             <a:spLocks noGrp="1"/>
           </p:cNvSpPr>
@@ -1956,13 +1693,7 @@
       </p:sp>
       <p:sp>
         <p:nvSpPr>
-          <p:cNvPr id="3" name="Date Placeholder 2">
-            <a:extLst>
-              <a:ext uri="{FF2B5EF4-FFF2-40B4-BE49-F238E27FC236}">
-                <a16:creationId xmlns:a16="http://schemas.microsoft.com/office/drawing/2014/main" id="{4CCACD50-DE26-85BC-8709-5ECE8EBDFB1E}"/>
-              </a:ext>
-            </a:extLst>
-          </p:cNvPr>
+          <p:cNvPr id="3" name="Date Placeholder 2"/>
           <p:cNvSpPr>
             <a:spLocks noGrp="1"/>
           </p:cNvSpPr>
@@ -1977,7 +1708,6 @@
           <a:p>
             <a:fld id="{13BFA79F-8F1A-4DCE-B7E9-7B247D930065}" type="datetimeFigureOut">
               <a:rPr lang="en-IN" smtClean="0"/>
-              <a:t>10-07-22</a:t>
             </a:fld>
             <a:endParaRPr lang="en-IN"/>
           </a:p>
@@ -1985,13 +1715,7 @@
       </p:sp>
       <p:sp>
         <p:nvSpPr>
-          <p:cNvPr id="4" name="Footer Placeholder 3">
-            <a:extLst>
-              <a:ext uri="{FF2B5EF4-FFF2-40B4-BE49-F238E27FC236}">
-                <a16:creationId xmlns:a16="http://schemas.microsoft.com/office/drawing/2014/main" id="{1961BC29-C37F-7EF8-3D9F-894A06992244}"/>
-              </a:ext>
-            </a:extLst>
-          </p:cNvPr>
+          <p:cNvPr id="4" name="Footer Placeholder 3"/>
           <p:cNvSpPr>
             <a:spLocks noGrp="1"/>
           </p:cNvSpPr>
@@ -2010,13 +1734,7 @@
       </p:sp>
       <p:sp>
         <p:nvSpPr>
-          <p:cNvPr id="5" name="Slide Number Placeholder 4">
-            <a:extLst>
-              <a:ext uri="{FF2B5EF4-FFF2-40B4-BE49-F238E27FC236}">
-                <a16:creationId xmlns:a16="http://schemas.microsoft.com/office/drawing/2014/main" id="{62DDBA76-6BCB-9526-1F62-75BC2102E61A}"/>
-              </a:ext>
-            </a:extLst>
-          </p:cNvPr>
+          <p:cNvPr id="5" name="Slide Number Placeholder 4"/>
           <p:cNvSpPr>
             <a:spLocks noGrp="1"/>
           </p:cNvSpPr>
@@ -2031,18 +1749,12 @@
           <a:p>
             <a:fld id="{491B6F5D-4056-4B62-8934-C31EF044F50B}" type="slidenum">
               <a:rPr lang="en-IN" smtClean="0"/>
-              <a:t>‹#›</a:t>
             </a:fld>
             <a:endParaRPr lang="en-IN"/>
           </a:p>
         </p:txBody>
       </p:sp>
     </p:spTree>
-    <p:extLst>
-      <p:ext uri="{BB962C8B-B14F-4D97-AF65-F5344CB8AC3E}">
-        <p14:creationId xmlns:p14="http://schemas.microsoft.com/office/powerpoint/2010/main" val="3615867374"/>
-      </p:ext>
-    </p:extLst>
   </p:cSld>
   <p:clrMapOvr>
     <a:masterClrMapping/>
@@ -2069,13 +1781,7 @@
       </p:grpSpPr>
       <p:sp>
         <p:nvSpPr>
-          <p:cNvPr id="2" name="Date Placeholder 1">
-            <a:extLst>
-              <a:ext uri="{FF2B5EF4-FFF2-40B4-BE49-F238E27FC236}">
-                <a16:creationId xmlns:a16="http://schemas.microsoft.com/office/drawing/2014/main" id="{9BF03477-6A7C-2E87-F2C2-30D516A05E55}"/>
-              </a:ext>
-            </a:extLst>
-          </p:cNvPr>
+          <p:cNvPr id="2" name="Date Placeholder 1"/>
           <p:cNvSpPr>
             <a:spLocks noGrp="1"/>
           </p:cNvSpPr>
@@ -2090,7 +1796,6 @@
           <a:p>
             <a:fld id="{13BFA79F-8F1A-4DCE-B7E9-7B247D930065}" type="datetimeFigureOut">
               <a:rPr lang="en-IN" smtClean="0"/>
-              <a:t>10-07-22</a:t>
             </a:fld>
             <a:endParaRPr lang="en-IN"/>
           </a:p>
@@ -2098,13 +1803,7 @@
       </p:sp>
       <p:sp>
         <p:nvSpPr>
-          <p:cNvPr id="3" name="Footer Placeholder 2">
-            <a:extLst>
-              <a:ext uri="{FF2B5EF4-FFF2-40B4-BE49-F238E27FC236}">
-                <a16:creationId xmlns:a16="http://schemas.microsoft.com/office/drawing/2014/main" id="{B325BC39-3664-0F87-75A4-8BB2B65426B4}"/>
-              </a:ext>
-            </a:extLst>
-          </p:cNvPr>
+          <p:cNvPr id="3" name="Footer Placeholder 2"/>
           <p:cNvSpPr>
             <a:spLocks noGrp="1"/>
           </p:cNvSpPr>
@@ -2123,13 +1822,7 @@
       </p:sp>
       <p:sp>
         <p:nvSpPr>
-          <p:cNvPr id="4" name="Slide Number Placeholder 3">
-            <a:extLst>
-              <a:ext uri="{FF2B5EF4-FFF2-40B4-BE49-F238E27FC236}">
-                <a16:creationId xmlns:a16="http://schemas.microsoft.com/office/drawing/2014/main" id="{30EB45F4-A991-9955-B8BD-88DCDE53ED1E}"/>
-              </a:ext>
-            </a:extLst>
-          </p:cNvPr>
+          <p:cNvPr id="4" name="Slide Number Placeholder 3"/>
           <p:cNvSpPr>
             <a:spLocks noGrp="1"/>
           </p:cNvSpPr>
@@ -2144,18 +1837,12 @@
           <a:p>
             <a:fld id="{491B6F5D-4056-4B62-8934-C31EF044F50B}" type="slidenum">
               <a:rPr lang="en-IN" smtClean="0"/>
-              <a:t>‹#›</a:t>
             </a:fld>
             <a:endParaRPr lang="en-IN"/>
           </a:p>
         </p:txBody>
       </p:sp>
     </p:spTree>
-    <p:extLst>
-      <p:ext uri="{BB962C8B-B14F-4D97-AF65-F5344CB8AC3E}">
-        <p14:creationId xmlns:p14="http://schemas.microsoft.com/office/powerpoint/2010/main" val="2791637220"/>
-      </p:ext>
-    </p:extLst>
   </p:cSld>
   <p:clrMapOvr>
     <a:masterClrMapping/>
@@ -2182,13 +1869,7 @@
       </p:grpSpPr>
       <p:sp>
         <p:nvSpPr>
-          <p:cNvPr id="2" name="Title 1">
-            <a:extLst>
-              <a:ext uri="{FF2B5EF4-FFF2-40B4-BE49-F238E27FC236}">
-                <a16:creationId xmlns:a16="http://schemas.microsoft.com/office/drawing/2014/main" id="{DF266A39-4FD7-19F8-6A5F-C53EFE4D117B}"/>
-              </a:ext>
-            </a:extLst>
-          </p:cNvPr>
+          <p:cNvPr id="2" name="Title 1"/>
           <p:cNvSpPr>
             <a:spLocks noGrp="1"/>
           </p:cNvSpPr>
@@ -2220,13 +1901,7 @@
       </p:sp>
       <p:sp>
         <p:nvSpPr>
-          <p:cNvPr id="3" name="Content Placeholder 2">
-            <a:extLst>
-              <a:ext uri="{FF2B5EF4-FFF2-40B4-BE49-F238E27FC236}">
-                <a16:creationId xmlns:a16="http://schemas.microsoft.com/office/drawing/2014/main" id="{2E67F64A-5D2B-42FB-28E9-FD7C586B4274}"/>
-              </a:ext>
-            </a:extLst>
-          </p:cNvPr>
+          <p:cNvPr id="3" name="Content Placeholder 2"/>
           <p:cNvSpPr>
             <a:spLocks noGrp="1"/>
           </p:cNvSpPr>
@@ -2277,6 +1952,7 @@
               <a:rPr lang="en-US"/>
               <a:t>Click to edit Master text styles</a:t>
             </a:r>
+            <a:endParaRPr lang="en-US"/>
           </a:p>
           <a:p>
             <a:pPr lvl="1"/>
@@ -2284,6 +1960,7 @@
               <a:rPr lang="en-US"/>
               <a:t>Second level</a:t>
             </a:r>
+            <a:endParaRPr lang="en-US"/>
           </a:p>
           <a:p>
             <a:pPr lvl="2"/>
@@ -2291,6 +1968,7 @@
               <a:rPr lang="en-US"/>
               <a:t>Third level</a:t>
             </a:r>
+            <a:endParaRPr lang="en-US"/>
           </a:p>
           <a:p>
             <a:pPr lvl="3"/>
@@ -2298,6 +1976,7 @@
               <a:rPr lang="en-US"/>
               <a:t>Fourth level</a:t>
             </a:r>
+            <a:endParaRPr lang="en-US"/>
           </a:p>
           <a:p>
             <a:pPr lvl="4"/>
@@ -2311,13 +1990,7 @@
       </p:sp>
       <p:sp>
         <p:nvSpPr>
-          <p:cNvPr id="4" name="Text Placeholder 3">
-            <a:extLst>
-              <a:ext uri="{FF2B5EF4-FFF2-40B4-BE49-F238E27FC236}">
-                <a16:creationId xmlns:a16="http://schemas.microsoft.com/office/drawing/2014/main" id="{DFA4694D-8C8A-5722-F17F-26919CF3D586}"/>
-              </a:ext>
-            </a:extLst>
-          </p:cNvPr>
+          <p:cNvPr id="4" name="Text Placeholder 3"/>
           <p:cNvSpPr>
             <a:spLocks noGrp="1"/>
           </p:cNvSpPr>
@@ -2377,18 +2050,13 @@
               <a:rPr lang="en-US"/>
               <a:t>Click to edit Master text styles</a:t>
             </a:r>
-          </a:p>
-        </p:txBody>
-      </p:sp>
-      <p:sp>
-        <p:nvSpPr>
-          <p:cNvPr id="5" name="Date Placeholder 4">
-            <a:extLst>
-              <a:ext uri="{FF2B5EF4-FFF2-40B4-BE49-F238E27FC236}">
-                <a16:creationId xmlns:a16="http://schemas.microsoft.com/office/drawing/2014/main" id="{C44184DC-093C-C51A-EE0F-BC3A2C11264A}"/>
-              </a:ext>
-            </a:extLst>
-          </p:cNvPr>
+            <a:endParaRPr lang="en-US"/>
+          </a:p>
+        </p:txBody>
+      </p:sp>
+      <p:sp>
+        <p:nvSpPr>
+          <p:cNvPr id="5" name="Date Placeholder 4"/>
           <p:cNvSpPr>
             <a:spLocks noGrp="1"/>
           </p:cNvSpPr>
@@ -2403,7 +2071,6 @@
           <a:p>
             <a:fld id="{13BFA79F-8F1A-4DCE-B7E9-7B247D930065}" type="datetimeFigureOut">
               <a:rPr lang="en-IN" smtClean="0"/>
-              <a:t>10-07-22</a:t>
             </a:fld>
             <a:endParaRPr lang="en-IN"/>
           </a:p>
@@ -2411,13 +2078,7 @@
       </p:sp>
       <p:sp>
         <p:nvSpPr>
-          <p:cNvPr id="6" name="Footer Placeholder 5">
-            <a:extLst>
-              <a:ext uri="{FF2B5EF4-FFF2-40B4-BE49-F238E27FC236}">
-                <a16:creationId xmlns:a16="http://schemas.microsoft.com/office/drawing/2014/main" id="{AFB7F5E8-5268-414A-51F3-9B87AE08F11D}"/>
-              </a:ext>
-            </a:extLst>
-          </p:cNvPr>
+          <p:cNvPr id="6" name="Footer Placeholder 5"/>
           <p:cNvSpPr>
             <a:spLocks noGrp="1"/>
           </p:cNvSpPr>
@@ -2436,13 +2097,7 @@
       </p:sp>
       <p:sp>
         <p:nvSpPr>
-          <p:cNvPr id="7" name="Slide Number Placeholder 6">
-            <a:extLst>
-              <a:ext uri="{FF2B5EF4-FFF2-40B4-BE49-F238E27FC236}">
-                <a16:creationId xmlns:a16="http://schemas.microsoft.com/office/drawing/2014/main" id="{553AF363-ABA0-2877-3631-4BA797FE5B67}"/>
-              </a:ext>
-            </a:extLst>
-          </p:cNvPr>
+          <p:cNvPr id="7" name="Slide Number Placeholder 6"/>
           <p:cNvSpPr>
             <a:spLocks noGrp="1"/>
           </p:cNvSpPr>
@@ -2457,18 +2112,12 @@
           <a:p>
             <a:fld id="{491B6F5D-4056-4B62-8934-C31EF044F50B}" type="slidenum">
               <a:rPr lang="en-IN" smtClean="0"/>
-              <a:t>‹#›</a:t>
             </a:fld>
             <a:endParaRPr lang="en-IN"/>
           </a:p>
         </p:txBody>
       </p:sp>
     </p:spTree>
-    <p:extLst>
-      <p:ext uri="{BB962C8B-B14F-4D97-AF65-F5344CB8AC3E}">
-        <p14:creationId xmlns:p14="http://schemas.microsoft.com/office/powerpoint/2010/main" val="4283246809"/>
-      </p:ext>
-    </p:extLst>
   </p:cSld>
   <p:clrMapOvr>
     <a:masterClrMapping/>
@@ -2495,13 +2144,7 @@
       </p:grpSpPr>
       <p:sp>
         <p:nvSpPr>
-          <p:cNvPr id="2" name="Title 1">
-            <a:extLst>
-              <a:ext uri="{FF2B5EF4-FFF2-40B4-BE49-F238E27FC236}">
-                <a16:creationId xmlns:a16="http://schemas.microsoft.com/office/drawing/2014/main" id="{09BB9AE2-2377-9DFA-3526-43E5CCA4E195}"/>
-              </a:ext>
-            </a:extLst>
-          </p:cNvPr>
+          <p:cNvPr id="2" name="Title 1"/>
           <p:cNvSpPr>
             <a:spLocks noGrp="1"/>
           </p:cNvSpPr>
@@ -2533,13 +2176,7 @@
       </p:sp>
       <p:sp>
         <p:nvSpPr>
-          <p:cNvPr id="3" name="Picture Placeholder 2">
-            <a:extLst>
-              <a:ext uri="{FF2B5EF4-FFF2-40B4-BE49-F238E27FC236}">
-                <a16:creationId xmlns:a16="http://schemas.microsoft.com/office/drawing/2014/main" id="{0B9CCE77-30F1-E6AC-2C0D-384836AB6392}"/>
-              </a:ext>
-            </a:extLst>
-          </p:cNvPr>
+          <p:cNvPr id="3" name="Picture Placeholder 2"/>
           <p:cNvSpPr>
             <a:spLocks noGrp="1"/>
           </p:cNvSpPr>
@@ -2600,13 +2237,7 @@
       </p:sp>
       <p:sp>
         <p:nvSpPr>
-          <p:cNvPr id="4" name="Text Placeholder 3">
-            <a:extLst>
-              <a:ext uri="{FF2B5EF4-FFF2-40B4-BE49-F238E27FC236}">
-                <a16:creationId xmlns:a16="http://schemas.microsoft.com/office/drawing/2014/main" id="{712305A6-5CB5-3A46-945F-94782CDC6E3E}"/>
-              </a:ext>
-            </a:extLst>
-          </p:cNvPr>
+          <p:cNvPr id="4" name="Text Placeholder 3"/>
           <p:cNvSpPr>
             <a:spLocks noGrp="1"/>
           </p:cNvSpPr>
@@ -2666,18 +2297,13 @@
               <a:rPr lang="en-US"/>
               <a:t>Click to edit Master text styles</a:t>
             </a:r>
-          </a:p>
-        </p:txBody>
-      </p:sp>
-      <p:sp>
-        <p:nvSpPr>
-          <p:cNvPr id="5" name="Date Placeholder 4">
-            <a:extLst>
-              <a:ext uri="{FF2B5EF4-FFF2-40B4-BE49-F238E27FC236}">
-                <a16:creationId xmlns:a16="http://schemas.microsoft.com/office/drawing/2014/main" id="{71D3F409-60E6-F64E-2CE8-3ADAD5A8C7E7}"/>
-              </a:ext>
-            </a:extLst>
-          </p:cNvPr>
+            <a:endParaRPr lang="en-US"/>
+          </a:p>
+        </p:txBody>
+      </p:sp>
+      <p:sp>
+        <p:nvSpPr>
+          <p:cNvPr id="5" name="Date Placeholder 4"/>
           <p:cNvSpPr>
             <a:spLocks noGrp="1"/>
           </p:cNvSpPr>
@@ -2692,7 +2318,6 @@
           <a:p>
             <a:fld id="{13BFA79F-8F1A-4DCE-B7E9-7B247D930065}" type="datetimeFigureOut">
               <a:rPr lang="en-IN" smtClean="0"/>
-              <a:t>10-07-22</a:t>
             </a:fld>
             <a:endParaRPr lang="en-IN"/>
           </a:p>
@@ -2700,13 +2325,7 @@
       </p:sp>
       <p:sp>
         <p:nvSpPr>
-          <p:cNvPr id="6" name="Footer Placeholder 5">
-            <a:extLst>
-              <a:ext uri="{FF2B5EF4-FFF2-40B4-BE49-F238E27FC236}">
-                <a16:creationId xmlns:a16="http://schemas.microsoft.com/office/drawing/2014/main" id="{322E9C3A-EB03-8673-F73A-A99A956A58D2}"/>
-              </a:ext>
-            </a:extLst>
-          </p:cNvPr>
+          <p:cNvPr id="6" name="Footer Placeholder 5"/>
           <p:cNvSpPr>
             <a:spLocks noGrp="1"/>
           </p:cNvSpPr>
@@ -2725,13 +2344,7 @@
       </p:sp>
       <p:sp>
         <p:nvSpPr>
-          <p:cNvPr id="7" name="Slide Number Placeholder 6">
-            <a:extLst>
-              <a:ext uri="{FF2B5EF4-FFF2-40B4-BE49-F238E27FC236}">
-                <a16:creationId xmlns:a16="http://schemas.microsoft.com/office/drawing/2014/main" id="{66F8950B-2C8D-5EAC-5543-6D2ABCE6EB07}"/>
-              </a:ext>
-            </a:extLst>
-          </p:cNvPr>
+          <p:cNvPr id="7" name="Slide Number Placeholder 6"/>
           <p:cNvSpPr>
             <a:spLocks noGrp="1"/>
           </p:cNvSpPr>
@@ -2746,18 +2359,12 @@
           <a:p>
             <a:fld id="{491B6F5D-4056-4B62-8934-C31EF044F50B}" type="slidenum">
               <a:rPr lang="en-IN" smtClean="0"/>
-              <a:t>‹#›</a:t>
             </a:fld>
             <a:endParaRPr lang="en-IN"/>
           </a:p>
         </p:txBody>
       </p:sp>
     </p:spTree>
-    <p:extLst>
-      <p:ext uri="{BB962C8B-B14F-4D97-AF65-F5344CB8AC3E}">
-        <p14:creationId xmlns:p14="http://schemas.microsoft.com/office/powerpoint/2010/main" val="3845485024"/>
-      </p:ext>
-    </p:extLst>
   </p:cSld>
   <p:clrMapOvr>
     <a:masterClrMapping/>
@@ -2789,13 +2396,7 @@
       </p:grpSpPr>
       <p:sp>
         <p:nvSpPr>
-          <p:cNvPr id="2" name="Title Placeholder 1">
-            <a:extLst>
-              <a:ext uri="{FF2B5EF4-FFF2-40B4-BE49-F238E27FC236}">
-                <a16:creationId xmlns:a16="http://schemas.microsoft.com/office/drawing/2014/main" id="{D6C6DBF4-A1D7-0B5E-3F22-5AF9CDB6FB5E}"/>
-              </a:ext>
-            </a:extLst>
-          </p:cNvPr>
+          <p:cNvPr id="2" name="Title Placeholder 1"/>
           <p:cNvSpPr>
             <a:spLocks noGrp="1"/>
           </p:cNvSpPr>
@@ -2828,13 +2429,7 @@
       </p:sp>
       <p:sp>
         <p:nvSpPr>
-          <p:cNvPr id="3" name="Text Placeholder 2">
-            <a:extLst>
-              <a:ext uri="{FF2B5EF4-FFF2-40B4-BE49-F238E27FC236}">
-                <a16:creationId xmlns:a16="http://schemas.microsoft.com/office/drawing/2014/main" id="{6826FE02-E1C5-377B-0A56-FD2F97C1A31C}"/>
-              </a:ext>
-            </a:extLst>
-          </p:cNvPr>
+          <p:cNvPr id="3" name="Text Placeholder 2"/>
           <p:cNvSpPr>
             <a:spLocks noGrp="1"/>
           </p:cNvSpPr>
@@ -2862,6 +2457,7 @@
               <a:rPr lang="en-US"/>
               <a:t>Click to edit Master text styles</a:t>
             </a:r>
+            <a:endParaRPr lang="en-US"/>
           </a:p>
           <a:p>
             <a:pPr lvl="1"/>
@@ -2869,6 +2465,7 @@
               <a:rPr lang="en-US"/>
               <a:t>Second level</a:t>
             </a:r>
+            <a:endParaRPr lang="en-US"/>
           </a:p>
           <a:p>
             <a:pPr lvl="2"/>
@@ -2876,6 +2473,7 @@
               <a:rPr lang="en-US"/>
               <a:t>Third level</a:t>
             </a:r>
+            <a:endParaRPr lang="en-US"/>
           </a:p>
           <a:p>
             <a:pPr lvl="3"/>
@@ -2883,6 +2481,7 @@
               <a:rPr lang="en-US"/>
               <a:t>Fourth level</a:t>
             </a:r>
+            <a:endParaRPr lang="en-US"/>
           </a:p>
           <a:p>
             <a:pPr lvl="4"/>
@@ -2896,13 +2495,7 @@
       </p:sp>
       <p:sp>
         <p:nvSpPr>
-          <p:cNvPr id="4" name="Date Placeholder 3">
-            <a:extLst>
-              <a:ext uri="{FF2B5EF4-FFF2-40B4-BE49-F238E27FC236}">
-                <a16:creationId xmlns:a16="http://schemas.microsoft.com/office/drawing/2014/main" id="{0523F4C5-8842-BE38-B6FE-684BE032DFE9}"/>
-              </a:ext>
-            </a:extLst>
-          </p:cNvPr>
+          <p:cNvPr id="4" name="Date Placeholder 3"/>
           <p:cNvSpPr>
             <a:spLocks noGrp="1"/>
           </p:cNvSpPr>
@@ -2935,7 +2528,6 @@
           <a:p>
             <a:fld id="{13BFA79F-8F1A-4DCE-B7E9-7B247D930065}" type="datetimeFigureOut">
               <a:rPr lang="en-IN" smtClean="0"/>
-              <a:t>10-07-22</a:t>
             </a:fld>
             <a:endParaRPr lang="en-IN"/>
           </a:p>
@@ -2943,13 +2535,7 @@
       </p:sp>
       <p:sp>
         <p:nvSpPr>
-          <p:cNvPr id="5" name="Footer Placeholder 4">
-            <a:extLst>
-              <a:ext uri="{FF2B5EF4-FFF2-40B4-BE49-F238E27FC236}">
-                <a16:creationId xmlns:a16="http://schemas.microsoft.com/office/drawing/2014/main" id="{9629316B-3C3A-2484-E62A-47EBA8685EE3}"/>
-              </a:ext>
-            </a:extLst>
-          </p:cNvPr>
+          <p:cNvPr id="5" name="Footer Placeholder 4"/>
           <p:cNvSpPr>
             <a:spLocks noGrp="1"/>
           </p:cNvSpPr>
@@ -2986,13 +2572,7 @@
       </p:sp>
       <p:sp>
         <p:nvSpPr>
-          <p:cNvPr id="6" name="Slide Number Placeholder 5">
-            <a:extLst>
-              <a:ext uri="{FF2B5EF4-FFF2-40B4-BE49-F238E27FC236}">
-                <a16:creationId xmlns:a16="http://schemas.microsoft.com/office/drawing/2014/main" id="{EEF821DE-D7E4-7B9B-8F6E-E9FC2C504EDC}"/>
-              </a:ext>
-            </a:extLst>
-          </p:cNvPr>
+          <p:cNvPr id="6" name="Slide Number Placeholder 5"/>
           <p:cNvSpPr>
             <a:spLocks noGrp="1"/>
           </p:cNvSpPr>
@@ -3025,18 +2605,12 @@
           <a:p>
             <a:fld id="{491B6F5D-4056-4B62-8934-C31EF044F50B}" type="slidenum">
               <a:rPr lang="en-IN" smtClean="0"/>
-              <a:t>‹#›</a:t>
             </a:fld>
             <a:endParaRPr lang="en-IN"/>
           </a:p>
         </p:txBody>
       </p:sp>
     </p:spTree>
-    <p:extLst>
-      <p:ext uri="{BB962C8B-B14F-4D97-AF65-F5344CB8AC3E}">
-        <p14:creationId xmlns:p14="http://schemas.microsoft.com/office/powerpoint/2010/main" val="3715806935"/>
-      </p:ext>
-    </p:extLst>
   </p:cSld>
   <p:clrMap bg1="lt1" tx1="dk1" bg2="lt2" tx2="dk2" accent1="accent1" accent2="accent2" accent3="accent3" accent4="accent4" accent5="accent5" accent6="accent6" hlink="hlink" folHlink="folHlink"/>
   <p:sldLayoutIdLst>
@@ -3354,13 +2928,7 @@
       </p:grpSpPr>
       <p:sp>
         <p:nvSpPr>
-          <p:cNvPr id="2" name="Title 1">
-            <a:extLst>
-              <a:ext uri="{FF2B5EF4-FFF2-40B4-BE49-F238E27FC236}">
-                <a16:creationId xmlns:a16="http://schemas.microsoft.com/office/drawing/2014/main" id="{6EB097FA-96F5-26EF-4D96-649A1A5D9FA6}"/>
-              </a:ext>
-            </a:extLst>
-          </p:cNvPr>
+          <p:cNvPr id="2" name="Title 1"/>
           <p:cNvSpPr>
             <a:spLocks noGrp="1"/>
           </p:cNvSpPr>
@@ -3381,18 +2949,13 @@
               <a:rPr lang="en-IN" dirty="0"/>
               <a:t> Details</a:t>
             </a:r>
-          </a:p>
-        </p:txBody>
-      </p:sp>
-      <p:sp>
-        <p:nvSpPr>
-          <p:cNvPr id="3" name="Subtitle 2">
-            <a:extLst>
-              <a:ext uri="{FF2B5EF4-FFF2-40B4-BE49-F238E27FC236}">
-                <a16:creationId xmlns:a16="http://schemas.microsoft.com/office/drawing/2014/main" id="{46077658-754B-D8B1-5BC6-6546AB0284F1}"/>
-              </a:ext>
-            </a:extLst>
-          </p:cNvPr>
+            <a:endParaRPr lang="en-IN" dirty="0"/>
+          </a:p>
+        </p:txBody>
+      </p:sp>
+      <p:sp>
+        <p:nvSpPr>
+          <p:cNvPr id="3" name="Subtitle 2"/>
           <p:cNvSpPr>
             <a:spLocks noGrp="1"/>
           </p:cNvSpPr>
@@ -3405,16 +2968,15 @@
           <a:bodyPr/>
           <a:lstStyle/>
           <a:p>
-            <a:endParaRPr lang="en-IN"/>
+            <a:r>
+              <a:rPr lang="id-ID" altLang="en-IN"/>
+              <a:t>Maintain Bots LifeCycle Events like any other Apps!</a:t>
+            </a:r>
+            <a:endParaRPr lang="id-ID" altLang="en-IN"/>
           </a:p>
         </p:txBody>
       </p:sp>
     </p:spTree>
-    <p:extLst>
-      <p:ext uri="{BB962C8B-B14F-4D97-AF65-F5344CB8AC3E}">
-        <p14:creationId xmlns:p14="http://schemas.microsoft.com/office/powerpoint/2010/main" val="2546064334"/>
-      </p:ext>
-    </p:extLst>
   </p:cSld>
   <p:clrMapOvr>
     <a:masterClrMapping/>
@@ -3441,13 +3003,7 @@
       </p:grpSpPr>
       <p:sp>
         <p:nvSpPr>
-          <p:cNvPr id="2" name="Title 1">
-            <a:extLst>
-              <a:ext uri="{FF2B5EF4-FFF2-40B4-BE49-F238E27FC236}">
-                <a16:creationId xmlns:a16="http://schemas.microsoft.com/office/drawing/2014/main" id="{53297D04-37D1-1D89-52AC-4B5C7A31EE1D}"/>
-              </a:ext>
-            </a:extLst>
-          </p:cNvPr>
+          <p:cNvPr id="2" name="Title 1"/>
           <p:cNvSpPr>
             <a:spLocks noGrp="1"/>
           </p:cNvSpPr>
@@ -3472,18 +3028,13 @@
               <a:rPr lang="en-IN" dirty="0"/>
               <a:t> file Details </a:t>
             </a:r>
-          </a:p>
-        </p:txBody>
-      </p:sp>
-      <p:sp>
-        <p:nvSpPr>
-          <p:cNvPr id="3" name="Content Placeholder 2">
-            <a:extLst>
-              <a:ext uri="{FF2B5EF4-FFF2-40B4-BE49-F238E27FC236}">
-                <a16:creationId xmlns:a16="http://schemas.microsoft.com/office/drawing/2014/main" id="{05EE4D96-A5EB-268C-2465-4524ADFF6711}"/>
-              </a:ext>
-            </a:extLst>
-          </p:cNvPr>
+            <a:endParaRPr lang="en-IN" dirty="0"/>
+          </a:p>
+        </p:txBody>
+      </p:sp>
+      <p:sp>
+        <p:nvSpPr>
+          <p:cNvPr id="3" name="Content Placeholder 2"/>
           <p:cNvSpPr>
             <a:spLocks noGrp="1"/>
           </p:cNvSpPr>
@@ -3508,6 +3059,7 @@
               <a:rPr lang="en-US" dirty="0"/>
               <a:t> Use the following command </a:t>
             </a:r>
+            <a:endParaRPr lang="en-US" dirty="0"/>
           </a:p>
           <a:p>
             <a:pPr marL="0" indent="0">
@@ -3535,59 +3087,48 @@
               <a:rPr lang="en-IN" dirty="0"/>
               <a:t> is the configurable file available in the Dialog work flow enables the triggering point of the workflow </a:t>
             </a:r>
+            <a:endParaRPr lang="en-IN" dirty="0"/>
           </a:p>
         </p:txBody>
       </p:sp>
       <p:graphicFrame>
         <p:nvGraphicFramePr>
-          <p:cNvPr id="4" name="Object 3">
-            <a:extLst>
-              <a:ext uri="{FF2B5EF4-FFF2-40B4-BE49-F238E27FC236}">
-                <a16:creationId xmlns:a16="http://schemas.microsoft.com/office/drawing/2014/main" id="{B4E58B2A-2A6D-3A5B-7DBE-4DC1C86FC00D}"/>
-              </a:ext>
-            </a:extLst>
-          </p:cNvPr>
+          <p:cNvPr id="4" name="Object 3"/>
           <p:cNvGraphicFramePr>
             <a:graphicFrameLocks noChangeAspect="1"/>
           </p:cNvGraphicFramePr>
-          <p:nvPr>
-            <p:extLst>
-              <p:ext uri="{D42A27DB-BD31-4B8C-83A1-F6EECF244321}">
-                <p14:modId xmlns:p14="http://schemas.microsoft.com/office/powerpoint/2010/main" val="82571399"/>
-              </p:ext>
-            </p:extLst>
-          </p:nvPr>
+          <p:nvPr/>
         </p:nvGraphicFramePr>
         <p:xfrm>
-          <a:off x="1654175" y="4171951"/>
+          <a:off x="3124835" y="4567556"/>
           <a:ext cx="4737100" cy="1104900"/>
         </p:xfrm>
         <a:graphic>
           <a:graphicData uri="http://schemas.openxmlformats.org/presentationml/2006/ole">
             <mc:AlternateContent xmlns:mc="http://schemas.openxmlformats.org/markup-compatibility/2006">
               <mc:Choice xmlns:v="urn:schemas-microsoft-com:vml" Requires="v">
-                <p:oleObj name="Packager Shell Object" showAsIcon="1" r:id="rId2" imgW="596880" imgH="478800" progId="Package">
+                <p:oleObj spid="_x0000_s5" name="Packager Shell Object" showAsIcon="1" r:id="rId1" imgW="971550" imgH="781050" progId="Package">
                   <p:embed/>
                 </p:oleObj>
               </mc:Choice>
               <mc:Fallback>
-                <p:oleObj name="Packager Shell Object" showAsIcon="1" r:id="rId2" imgW="596880" imgH="478800" progId="Package">
+                <p:oleObj name="Packager Shell Object" showAsIcon="1" r:id="rId1" imgW="971550" imgH="781050" progId="Package">
                   <p:embed/>
                   <p:pic>
                     <p:nvPicPr>
-                      <p:cNvPr id="0" name=""/>
+                      <p:cNvPr id="0" name="Picture 4"/>
                       <p:cNvPicPr/>
                       <p:nvPr/>
                     </p:nvPicPr>
                     <p:blipFill>
-                      <a:blip r:embed="rId3"/>
+                      <a:blip r:embed="rId2"/>
                       <a:stretch>
                         <a:fillRect/>
                       </a:stretch>
                     </p:blipFill>
                     <p:spPr>
                       <a:xfrm>
-                        <a:off x="1654175" y="4171951"/>
+                        <a:off x="3124835" y="4567556"/>
                         <a:ext cx="4737100" cy="1104900"/>
                       </a:xfrm>
                       <a:prstGeom prst="rect">
@@ -3602,11 +3143,6 @@
         </a:graphic>
       </p:graphicFrame>
     </p:spTree>
-    <p:extLst>
-      <p:ext uri="{BB962C8B-B14F-4D97-AF65-F5344CB8AC3E}">
-        <p14:creationId xmlns:p14="http://schemas.microsoft.com/office/powerpoint/2010/main" val="2971144017"/>
-      </p:ext>
-    </p:extLst>
   </p:cSld>
   <p:clrMapOvr>
     <a:masterClrMapping/>
@@ -3633,13 +3169,7 @@
       </p:grpSpPr>
       <p:sp>
         <p:nvSpPr>
-          <p:cNvPr id="2" name="Title 1">
-            <a:extLst>
-              <a:ext uri="{FF2B5EF4-FFF2-40B4-BE49-F238E27FC236}">
-                <a16:creationId xmlns:a16="http://schemas.microsoft.com/office/drawing/2014/main" id="{A6F13C51-5220-AA08-D3AC-C06A875F24C1}"/>
-              </a:ext>
-            </a:extLst>
-          </p:cNvPr>
+          <p:cNvPr id="2" name="Title 1"/>
           <p:cNvSpPr>
             <a:spLocks noGrp="1"/>
           </p:cNvSpPr>
@@ -3657,7 +3187,7 @@
               <a:t>Salient Features of </a:t>
             </a:r>
             <a:r>
-              <a:rPr lang="en" dirty="0"/>
+              <a:rPr lang="en-GB" dirty="0"/>
               <a:t>User Segment </a:t>
             </a:r>
             <a:endParaRPr lang="en-IN" dirty="0"/>
@@ -3666,13 +3196,7 @@
       </p:sp>
       <p:sp>
         <p:nvSpPr>
-          <p:cNvPr id="3" name="Content Placeholder 2">
-            <a:extLst>
-              <a:ext uri="{FF2B5EF4-FFF2-40B4-BE49-F238E27FC236}">
-                <a16:creationId xmlns:a16="http://schemas.microsoft.com/office/drawing/2014/main" id="{084F933E-5EAF-3EAC-B2B1-5525F6948FE4}"/>
-              </a:ext>
-            </a:extLst>
-          </p:cNvPr>
+          <p:cNvPr id="3" name="Content Placeholder 2"/>
           <p:cNvSpPr>
             <a:spLocks noGrp="1"/>
           </p:cNvSpPr>
@@ -3712,6 +3236,7 @@
               <a:rPr lang="en-US" dirty="0"/>
               <a:t>. </a:t>
             </a:r>
+            <a:endParaRPr lang="en-US" dirty="0"/>
           </a:p>
           <a:p>
             <a:pPr marL="457200" lvl="0" indent="-311150" algn="l" rtl="0">
@@ -3731,6 +3256,7 @@
               <a:rPr lang="en-US" dirty="0"/>
               <a:t>Admins have a greater control on who can manipulate which resource and has an approval flow which enables management to control their spendings. </a:t>
             </a:r>
+            <a:endParaRPr lang="en-US" dirty="0"/>
           </a:p>
           <a:p>
             <a:pPr marL="457200" lvl="0" indent="-311150" algn="l" rtl="0">
@@ -3750,6 +3276,7 @@
               <a:rPr lang="en-US" dirty="0"/>
               <a:t>All the stakeholders are kept up to date with ongoing changes in the infrastructure. </a:t>
             </a:r>
+            <a:endParaRPr lang="en-US" dirty="0"/>
           </a:p>
           <a:p>
             <a:pPr marL="457200" lvl="0" indent="-311150" algn="l" rtl="0">
@@ -3769,6 +3296,7 @@
               <a:rPr lang="en-US" dirty="0"/>
               <a:t>Bot notifies about important events from the CI/CD pipelines. </a:t>
             </a:r>
+            <a:endParaRPr lang="en-US" dirty="0"/>
           </a:p>
           <a:p>
             <a:endParaRPr lang="en-IN" dirty="0"/>
@@ -3776,11 +3304,6 @@
         </p:txBody>
       </p:sp>
     </p:spTree>
-    <p:extLst>
-      <p:ext uri="{BB962C8B-B14F-4D97-AF65-F5344CB8AC3E}">
-        <p14:creationId xmlns:p14="http://schemas.microsoft.com/office/powerpoint/2010/main" val="1865207227"/>
-      </p:ext>
-    </p:extLst>
   </p:cSld>
   <p:clrMapOvr>
     <a:masterClrMapping/>
@@ -3807,13 +3330,7 @@
       </p:grpSpPr>
       <p:sp>
         <p:nvSpPr>
-          <p:cNvPr id="2" name="Title 1">
-            <a:extLst>
-              <a:ext uri="{FF2B5EF4-FFF2-40B4-BE49-F238E27FC236}">
-                <a16:creationId xmlns:a16="http://schemas.microsoft.com/office/drawing/2014/main" id="{5D398B9D-88B2-4DEF-BCB6-427B6D7A2822}"/>
-              </a:ext>
-            </a:extLst>
-          </p:cNvPr>
+          <p:cNvPr id="2" name="Title 1"/>
           <p:cNvSpPr>
             <a:spLocks noGrp="1"/>
           </p:cNvSpPr>
@@ -3830,18 +3347,13 @@
               <a:rPr lang="en-IN" dirty="0"/>
               <a:t>Flow Diagram</a:t>
             </a:r>
+            <a:endParaRPr lang="en-IN" dirty="0"/>
           </a:p>
         </p:txBody>
       </p:sp>
       <p:pic>
         <p:nvPicPr>
-          <p:cNvPr id="6" name="Content Placeholder 5">
-            <a:extLst>
-              <a:ext uri="{FF2B5EF4-FFF2-40B4-BE49-F238E27FC236}">
-                <a16:creationId xmlns:a16="http://schemas.microsoft.com/office/drawing/2014/main" id="{9BC72AC7-1D4A-DA4D-29AE-E5DDFD8F081F}"/>
-              </a:ext>
-            </a:extLst>
-          </p:cNvPr>
+          <p:cNvPr id="6" name="Content Placeholder 5"/>
           <p:cNvPicPr>
             <a:picLocks noGrp="1" noChangeAspect="1"/>
           </p:cNvPicPr>
@@ -3850,7 +3362,7 @@
           </p:nvPr>
         </p:nvPicPr>
         <p:blipFill>
-          <a:blip r:embed="rId2">
+          <a:blip r:embed="rId1">
             <a:extLst>
               <a:ext uri="{28A0092B-C50C-407E-A947-70E740481C1C}">
                 <a14:useLocalDpi xmlns:a14="http://schemas.microsoft.com/office/drawing/2010/main" val="0"/>
@@ -3863,17 +3375,12 @@
         </p:blipFill>
         <p:spPr>
           <a:xfrm>
-            <a:off x="1447560" y="2029517"/>
-            <a:ext cx="9906239" cy="3943553"/>
+            <a:off x="2836545" y="1360170"/>
+            <a:ext cx="8517255" cy="4612640"/>
           </a:xfrm>
         </p:spPr>
       </p:pic>
     </p:spTree>
-    <p:extLst>
-      <p:ext uri="{BB962C8B-B14F-4D97-AF65-F5344CB8AC3E}">
-        <p14:creationId xmlns:p14="http://schemas.microsoft.com/office/powerpoint/2010/main" val="4192771550"/>
-      </p:ext>
-    </p:extLst>
   </p:cSld>
   <p:clrMapOvr>
     <a:masterClrMapping/>
@@ -3900,13 +3407,7 @@
       </p:grpSpPr>
       <p:sp>
         <p:nvSpPr>
-          <p:cNvPr id="2" name="Title 1">
-            <a:extLst>
-              <a:ext uri="{FF2B5EF4-FFF2-40B4-BE49-F238E27FC236}">
-                <a16:creationId xmlns:a16="http://schemas.microsoft.com/office/drawing/2014/main" id="{88F40975-9545-3139-7780-688B8418760D}"/>
-              </a:ext>
-            </a:extLst>
-          </p:cNvPr>
+          <p:cNvPr id="2" name="Title 1"/>
           <p:cNvSpPr>
             <a:spLocks noGrp="1"/>
           </p:cNvSpPr>
@@ -3923,18 +3424,13 @@
               <a:rPr lang="en-IN" dirty="0"/>
               <a:t> Instances </a:t>
             </a:r>
+            <a:endParaRPr lang="en-IN" dirty="0"/>
           </a:p>
         </p:txBody>
       </p:sp>
       <p:pic>
         <p:nvPicPr>
-          <p:cNvPr id="5" name="Content Placeholder 4">
-            <a:extLst>
-              <a:ext uri="{FF2B5EF4-FFF2-40B4-BE49-F238E27FC236}">
-                <a16:creationId xmlns:a16="http://schemas.microsoft.com/office/drawing/2014/main" id="{A20855F1-4625-B1EA-45DF-A440DDC1186E}"/>
-              </a:ext>
-            </a:extLst>
-          </p:cNvPr>
+          <p:cNvPr id="5" name="Content Placeholder 4"/>
           <p:cNvPicPr>
             <a:picLocks noGrp="1" noChangeAspect="1"/>
           </p:cNvPicPr>
@@ -3943,7 +3439,7 @@
           </p:nvPr>
         </p:nvPicPr>
         <p:blipFill>
-          <a:blip r:embed="rId2">
+          <a:blip r:embed="rId1">
             <a:extLst>
               <a:ext uri="{28A0092B-C50C-407E-A947-70E740481C1C}">
                 <a14:useLocalDpi xmlns:a14="http://schemas.microsoft.com/office/drawing/2010/main" val="0"/>
@@ -3956,17 +3452,12 @@
         </p:blipFill>
         <p:spPr>
           <a:xfrm>
-            <a:off x="838200" y="1690688"/>
-            <a:ext cx="10515600" cy="4986337"/>
+            <a:off x="838200" y="1528445"/>
+            <a:ext cx="9684385" cy="3413760"/>
           </a:xfrm>
         </p:spPr>
       </p:pic>
     </p:spTree>
-    <p:extLst>
-      <p:ext uri="{BB962C8B-B14F-4D97-AF65-F5344CB8AC3E}">
-        <p14:creationId xmlns:p14="http://schemas.microsoft.com/office/powerpoint/2010/main" val="2942473212"/>
-      </p:ext>
-    </p:extLst>
   </p:cSld>
   <p:clrMapOvr>
     <a:masterClrMapping/>
@@ -3993,13 +3484,7 @@
       </p:grpSpPr>
       <p:sp>
         <p:nvSpPr>
-          <p:cNvPr id="2" name="Title 1">
-            <a:extLst>
-              <a:ext uri="{FF2B5EF4-FFF2-40B4-BE49-F238E27FC236}">
-                <a16:creationId xmlns:a16="http://schemas.microsoft.com/office/drawing/2014/main" id="{1D666E80-2320-99FF-02B0-5A091DEF7A67}"/>
-              </a:ext>
-            </a:extLst>
-          </p:cNvPr>
+          <p:cNvPr id="2" name="Title 1"/>
           <p:cNvSpPr>
             <a:spLocks noGrp="1"/>
           </p:cNvSpPr>
@@ -4086,57 +3571,25 @@
               <a:rPr lang="en-IN" sz="3600" dirty="0"/>
               <a:t>        </a:t>
             </a:r>
-          </a:p>
-        </p:txBody>
-      </p:sp>
-      <p:sp>
-        <p:nvSpPr>
-          <p:cNvPr id="3" name="Content Placeholder 2">
-            <a:extLst>
-              <a:ext uri="{FF2B5EF4-FFF2-40B4-BE49-F238E27FC236}">
-                <a16:creationId xmlns:a16="http://schemas.microsoft.com/office/drawing/2014/main" id="{BAE2B4BE-5F0E-A4E3-7301-A0FC8DF4DC79}"/>
-              </a:ext>
-            </a:extLst>
-          </p:cNvPr>
-          <p:cNvSpPr>
-            <a:spLocks noGrp="1"/>
-          </p:cNvSpPr>
-          <p:nvPr>
-            <p:ph idx="1"/>
-          </p:nvPr>
-        </p:nvSpPr>
-        <p:spPr/>
-        <p:txBody>
-          <a:bodyPr/>
-          <a:lstStyle/>
-          <a:p>
-            <a:endParaRPr lang="en-IN" dirty="0"/>
+            <a:endParaRPr lang="en-IN" sz="3600" dirty="0"/>
           </a:p>
         </p:txBody>
       </p:sp>
       <p:pic>
         <p:nvPicPr>
-          <p:cNvPr id="4" name="Google Shape;189;p28">
-            <a:extLst>
-              <a:ext uri="{FF2B5EF4-FFF2-40B4-BE49-F238E27FC236}">
-                <a16:creationId xmlns:a16="http://schemas.microsoft.com/office/drawing/2014/main" id="{CFE098D7-6517-F544-31B4-1804FD4C5C6A}"/>
-              </a:ext>
-            </a:extLst>
-          </p:cNvPr>
+          <p:cNvPr id="4" name="Google Shape;189;p28"/>
           <p:cNvPicPr preferRelativeResize="0"/>
           <p:nvPr/>
         </p:nvPicPr>
         <p:blipFill>
-          <a:blip r:embed="rId2">
-            <a:alphaModFix/>
-          </a:blip>
+          <a:blip r:embed="rId1"/>
           <a:stretch>
             <a:fillRect/>
           </a:stretch>
         </p:blipFill>
         <p:spPr>
           <a:xfrm>
-            <a:off x="904875" y="2573250"/>
+            <a:off x="702310" y="1863320"/>
             <a:ext cx="9144002" cy="3370350"/>
           </a:xfrm>
           <a:prstGeom prst="rect">
@@ -4149,11 +3602,6 @@
         </p:spPr>
       </p:pic>
     </p:spTree>
-    <p:extLst>
-      <p:ext uri="{BB962C8B-B14F-4D97-AF65-F5344CB8AC3E}">
-        <p14:creationId xmlns:p14="http://schemas.microsoft.com/office/powerpoint/2010/main" val="63468880"/>
-      </p:ext>
-    </p:extLst>
   </p:cSld>
   <p:clrMapOvr>
     <a:masterClrMapping/>
@@ -4204,7 +3652,7 @@
     </a:clrScheme>
     <a:fontScheme name="Office">
       <a:majorFont>
-        <a:latin typeface="Calibri Light" panose="020F0302020204030204"/>
+        <a:latin typeface="Calibri Light"/>
         <a:ea typeface=""/>
         <a:cs typeface=""/>
         <a:font script="Jpan" typeface="游ゴシック Light"/>
@@ -4237,26 +3685,9 @@
         <a:font script="Viet" typeface="Times New Roman"/>
         <a:font script="Uigh" typeface="Microsoft Uighur"/>
         <a:font script="Geor" typeface="Sylfaen"/>
-        <a:font script="Armn" typeface="Arial"/>
-        <a:font script="Bugi" typeface="Leelawadee UI"/>
-        <a:font script="Bopo" typeface="Microsoft JhengHei"/>
-        <a:font script="Java" typeface="Javanese Text"/>
-        <a:font script="Lisu" typeface="Segoe UI"/>
-        <a:font script="Mymr" typeface="Myanmar Text"/>
-        <a:font script="Nkoo" typeface="Ebrima"/>
-        <a:font script="Olck" typeface="Nirmala UI"/>
-        <a:font script="Osma" typeface="Ebrima"/>
-        <a:font script="Phag" typeface="Phagspa"/>
-        <a:font script="Syrn" typeface="Estrangelo Edessa"/>
-        <a:font script="Syrj" typeface="Estrangelo Edessa"/>
-        <a:font script="Syre" typeface="Estrangelo Edessa"/>
-        <a:font script="Sora" typeface="Nirmala UI"/>
-        <a:font script="Tale" typeface="Microsoft Tai Le"/>
-        <a:font script="Talu" typeface="Microsoft New Tai Lue"/>
-        <a:font script="Tfng" typeface="Ebrima"/>
       </a:majorFont>
       <a:minorFont>
-        <a:latin typeface="Calibri" panose="020F0502020204030204"/>
+        <a:latin typeface="Calibri"/>
         <a:ea typeface=""/>
         <a:cs typeface=""/>
         <a:font script="Jpan" typeface="游ゴシック"/>
@@ -4289,23 +3720,6 @@
         <a:font script="Viet" typeface="Arial"/>
         <a:font script="Uigh" typeface="Microsoft Uighur"/>
         <a:font script="Geor" typeface="Sylfaen"/>
-        <a:font script="Armn" typeface="Arial"/>
-        <a:font script="Bugi" typeface="Leelawadee UI"/>
-        <a:font script="Bopo" typeface="Microsoft JhengHei"/>
-        <a:font script="Java" typeface="Javanese Text"/>
-        <a:font script="Lisu" typeface="Segoe UI"/>
-        <a:font script="Mymr" typeface="Myanmar Text"/>
-        <a:font script="Nkoo" typeface="Ebrima"/>
-        <a:font script="Olck" typeface="Nirmala UI"/>
-        <a:font script="Osma" typeface="Ebrima"/>
-        <a:font script="Phag" typeface="Phagspa"/>
-        <a:font script="Syrn" typeface="Estrangelo Edessa"/>
-        <a:font script="Syrj" typeface="Estrangelo Edessa"/>
-        <a:font script="Syre" typeface="Estrangelo Edessa"/>
-        <a:font script="Sora" typeface="Nirmala UI"/>
-        <a:font script="Tale" typeface="Microsoft Tai Le"/>
-        <a:font script="Talu" typeface="Microsoft New Tai Lue"/>
-        <a:font script="Tfng" typeface="Ebrima"/>
       </a:minorFont>
     </a:fontScheme>
     <a:fmtScheme name="Office">
@@ -4446,8 +3860,6 @@
       </a:bgFillStyleLst>
     </a:fmtScheme>
   </a:themeElements>
-  <a:objectDefaults/>
-  <a:extraClrSchemeLst/>
   <a:extLst>
     <a:ext uri="{05A4C25C-085E-4340-85A3-A5531E510DB2}">
       <thm15:themeFamily xmlns:thm15="http://schemas.microsoft.com/office/thememl/2012/main" name="Office Theme" id="{62F939B6-93AF-4DB8-9C6B-D6C7DFDC589F}" vid="{4A3C46E8-61CC-4603-A589-7422A47A8E4A}"/>
